--- a/Documentation/Second Review Presentation.pptx
+++ b/Documentation/Second Review Presentation.pptx
@@ -9,10 +9,10 @@
     <p:sldId id="257" r:id="rId3"/>
     <p:sldId id="258" r:id="rId4"/>
     <p:sldId id="259" r:id="rId5"/>
-    <p:sldId id="260" r:id="rId6"/>
-    <p:sldId id="263" r:id="rId7"/>
-    <p:sldId id="264" r:id="rId8"/>
-    <p:sldId id="265" r:id="rId9"/>
+    <p:sldId id="268" r:id="rId6"/>
+    <p:sldId id="260" r:id="rId7"/>
+    <p:sldId id="263" r:id="rId8"/>
+    <p:sldId id="264" r:id="rId9"/>
     <p:sldId id="266" r:id="rId10"/>
     <p:sldId id="267" r:id="rId11"/>
   </p:sldIdLst>
@@ -307,7 +307,7 @@
           <a:p>
             <a:fld id="{3C6A444D-4A42-4F9C-AE37-C2D6B96EC993}" type="datetimeFigureOut">
               <a:rPr lang="en-IN" smtClean="0"/>
-              <a:t>03-02-2020</a:t>
+              <a:t>07-03-2020</a:t>
             </a:fld>
             <a:endParaRPr lang="en-IN"/>
           </a:p>
@@ -582,7 +582,7 @@
           <a:p>
             <a:fld id="{3C6A444D-4A42-4F9C-AE37-C2D6B96EC993}" type="datetimeFigureOut">
               <a:rPr lang="en-IN" smtClean="0"/>
-              <a:t>03-02-2020</a:t>
+              <a:t>07-03-2020</a:t>
             </a:fld>
             <a:endParaRPr lang="en-IN"/>
           </a:p>
@@ -776,7 +776,7 @@
           <a:p>
             <a:fld id="{3C6A444D-4A42-4F9C-AE37-C2D6B96EC993}" type="datetimeFigureOut">
               <a:rPr lang="en-IN" smtClean="0"/>
-              <a:t>03-02-2020</a:t>
+              <a:t>07-03-2020</a:t>
             </a:fld>
             <a:endParaRPr lang="en-IN"/>
           </a:p>
@@ -1049,7 +1049,7 @@
           <a:p>
             <a:fld id="{3C6A444D-4A42-4F9C-AE37-C2D6B96EC993}" type="datetimeFigureOut">
               <a:rPr lang="en-IN" smtClean="0"/>
-              <a:t>03-02-2020</a:t>
+              <a:t>07-03-2020</a:t>
             </a:fld>
             <a:endParaRPr lang="en-IN"/>
           </a:p>
@@ -1390,7 +1390,7 @@
           <a:p>
             <a:fld id="{3C6A444D-4A42-4F9C-AE37-C2D6B96EC993}" type="datetimeFigureOut">
               <a:rPr lang="en-IN" smtClean="0"/>
-              <a:t>03-02-2020</a:t>
+              <a:t>07-03-2020</a:t>
             </a:fld>
             <a:endParaRPr lang="en-IN"/>
           </a:p>
@@ -2013,7 +2013,7 @@
           <a:p>
             <a:fld id="{3C6A444D-4A42-4F9C-AE37-C2D6B96EC993}" type="datetimeFigureOut">
               <a:rPr lang="en-IN" smtClean="0"/>
-              <a:t>03-02-2020</a:t>
+              <a:t>07-03-2020</a:t>
             </a:fld>
             <a:endParaRPr lang="en-IN"/>
           </a:p>
@@ -2873,7 +2873,7 @@
           <a:p>
             <a:fld id="{3C6A444D-4A42-4F9C-AE37-C2D6B96EC993}" type="datetimeFigureOut">
               <a:rPr lang="en-IN" smtClean="0"/>
-              <a:t>03-02-2020</a:t>
+              <a:t>07-03-2020</a:t>
             </a:fld>
             <a:endParaRPr lang="en-IN"/>
           </a:p>
@@ -3043,7 +3043,7 @@
           <a:p>
             <a:fld id="{3C6A444D-4A42-4F9C-AE37-C2D6B96EC993}" type="datetimeFigureOut">
               <a:rPr lang="en-IN" smtClean="0"/>
-              <a:t>03-02-2020</a:t>
+              <a:t>07-03-2020</a:t>
             </a:fld>
             <a:endParaRPr lang="en-IN"/>
           </a:p>
@@ -3223,7 +3223,7 @@
           <a:p>
             <a:fld id="{3C6A444D-4A42-4F9C-AE37-C2D6B96EC993}" type="datetimeFigureOut">
               <a:rPr lang="en-IN" smtClean="0"/>
-              <a:t>03-02-2020</a:t>
+              <a:t>07-03-2020</a:t>
             </a:fld>
             <a:endParaRPr lang="en-IN"/>
           </a:p>
@@ -3393,7 +3393,7 @@
           <a:p>
             <a:fld id="{3C6A444D-4A42-4F9C-AE37-C2D6B96EC993}" type="datetimeFigureOut">
               <a:rPr lang="en-IN" smtClean="0"/>
-              <a:t>03-02-2020</a:t>
+              <a:t>07-03-2020</a:t>
             </a:fld>
             <a:endParaRPr lang="en-IN"/>
           </a:p>
@@ -3640,7 +3640,7 @@
           <a:p>
             <a:fld id="{3C6A444D-4A42-4F9C-AE37-C2D6B96EC993}" type="datetimeFigureOut">
               <a:rPr lang="en-IN" smtClean="0"/>
-              <a:t>03-02-2020</a:t>
+              <a:t>07-03-2020</a:t>
             </a:fld>
             <a:endParaRPr lang="en-IN"/>
           </a:p>
@@ -3932,7 +3932,7 @@
           <a:p>
             <a:fld id="{3C6A444D-4A42-4F9C-AE37-C2D6B96EC993}" type="datetimeFigureOut">
               <a:rPr lang="en-IN" smtClean="0"/>
-              <a:t>03-02-2020</a:t>
+              <a:t>07-03-2020</a:t>
             </a:fld>
             <a:endParaRPr lang="en-IN"/>
           </a:p>
@@ -4376,7 +4376,7 @@
           <a:p>
             <a:fld id="{3C6A444D-4A42-4F9C-AE37-C2D6B96EC993}" type="datetimeFigureOut">
               <a:rPr lang="en-IN" smtClean="0"/>
-              <a:t>03-02-2020</a:t>
+              <a:t>07-03-2020</a:t>
             </a:fld>
             <a:endParaRPr lang="en-IN"/>
           </a:p>
@@ -4494,7 +4494,7 @@
           <a:p>
             <a:fld id="{3C6A444D-4A42-4F9C-AE37-C2D6B96EC993}" type="datetimeFigureOut">
               <a:rPr lang="en-IN" smtClean="0"/>
-              <a:t>03-02-2020</a:t>
+              <a:t>07-03-2020</a:t>
             </a:fld>
             <a:endParaRPr lang="en-IN"/>
           </a:p>
@@ -4589,7 +4589,7 @@
           <a:p>
             <a:fld id="{3C6A444D-4A42-4F9C-AE37-C2D6B96EC993}" type="datetimeFigureOut">
               <a:rPr lang="en-IN" smtClean="0"/>
-              <a:t>03-02-2020</a:t>
+              <a:t>07-03-2020</a:t>
             </a:fld>
             <a:endParaRPr lang="en-IN"/>
           </a:p>
@@ -4868,7 +4868,7 @@
           <a:p>
             <a:fld id="{3C6A444D-4A42-4F9C-AE37-C2D6B96EC993}" type="datetimeFigureOut">
               <a:rPr lang="en-IN" smtClean="0"/>
-              <a:t>03-02-2020</a:t>
+              <a:t>07-03-2020</a:t>
             </a:fld>
             <a:endParaRPr lang="en-IN"/>
           </a:p>
@@ -5143,7 +5143,7 @@
           <a:p>
             <a:fld id="{3C6A444D-4A42-4F9C-AE37-C2D6B96EC993}" type="datetimeFigureOut">
               <a:rPr lang="en-IN" smtClean="0"/>
-              <a:t>03-02-2020</a:t>
+              <a:t>07-03-2020</a:t>
             </a:fld>
             <a:endParaRPr lang="en-IN"/>
           </a:p>
@@ -5572,7 +5572,7 @@
           <a:p>
             <a:fld id="{3C6A444D-4A42-4F9C-AE37-C2D6B96EC993}" type="datetimeFigureOut">
               <a:rPr lang="en-IN" smtClean="0"/>
-              <a:t>03-02-2020</a:t>
+              <a:t>07-03-2020</a:t>
             </a:fld>
             <a:endParaRPr lang="en-IN"/>
           </a:p>
@@ -6118,7 +6118,7 @@
         </p:nvSpPr>
         <p:spPr>
           <a:xfrm>
-            <a:off x="1524000" y="767256"/>
+            <a:off x="1524000" y="1198079"/>
             <a:ext cx="9144000" cy="946134"/>
           </a:xfrm>
         </p:spPr>
@@ -6131,7 +6131,7 @@
             <a:pPr algn="ctr"/>
             <a:r>
               <a:rPr lang="en-IN" sz="4000" b="1" dirty="0"/>
-              <a:t>Essay Grading Using Ensemble Strategies and Word2Vector Method</a:t>
+              <a:t>Essay Grading Using Various NLP Neural Techniques</a:t>
             </a:r>
           </a:p>
         </p:txBody>
@@ -6606,7 +6606,7 @@
         <p:spPr>
           <a:xfrm>
             <a:off x="597854" y="1010143"/>
-            <a:ext cx="10755946" cy="5385078"/>
+            <a:ext cx="10755946" cy="5385077"/>
           </a:xfrm>
         </p:spPr>
       </p:pic>
@@ -6624,6 +6624,146 @@
 </file>
 
 <file path=ppt/slides/slide5.xml><?xml version="1.0" encoding="utf-8"?>
+<p:sld xmlns:a="http://schemas.openxmlformats.org/drawingml/2006/main" xmlns:r="http://schemas.openxmlformats.org/officeDocument/2006/relationships" xmlns:p="http://schemas.openxmlformats.org/presentationml/2006/main">
+  <p:cSld>
+    <p:spTree>
+      <p:nvGrpSpPr>
+        <p:cNvPr id="1" name=""/>
+        <p:cNvGrpSpPr/>
+        <p:nvPr/>
+      </p:nvGrpSpPr>
+      <p:grpSpPr>
+        <a:xfrm>
+          <a:off x="0" y="0"/>
+          <a:ext cx="0" cy="0"/>
+          <a:chOff x="0" y="0"/>
+          <a:chExt cx="0" cy="0"/>
+        </a:xfrm>
+      </p:grpSpPr>
+      <p:sp>
+        <p:nvSpPr>
+          <p:cNvPr id="2" name="Title 1">
+            <a:extLst>
+              <a:ext uri="{FF2B5EF4-FFF2-40B4-BE49-F238E27FC236}">
+                <a16:creationId xmlns:a16="http://schemas.microsoft.com/office/drawing/2014/main" id="{4322EC7C-A503-471C-AB3B-B9AEDA584E9A}"/>
+              </a:ext>
+            </a:extLst>
+          </p:cNvPr>
+          <p:cNvSpPr>
+            <a:spLocks noGrp="1"/>
+          </p:cNvSpPr>
+          <p:nvPr>
+            <p:ph type="title"/>
+          </p:nvPr>
+        </p:nvSpPr>
+        <p:spPr>
+          <a:xfrm>
+            <a:off x="769203" y="1028528"/>
+            <a:ext cx="9404723" cy="1024390"/>
+          </a:xfrm>
+        </p:spPr>
+        <p:txBody>
+          <a:bodyPr/>
+          <a:lstStyle/>
+          <a:p>
+            <a:r>
+              <a:rPr lang="en-IN" b="1" dirty="0"/>
+              <a:t>Existing Models used in algorithm:</a:t>
+            </a:r>
+          </a:p>
+        </p:txBody>
+      </p:sp>
+      <p:sp>
+        <p:nvSpPr>
+          <p:cNvPr id="3" name="Content Placeholder 2">
+            <a:extLst>
+              <a:ext uri="{FF2B5EF4-FFF2-40B4-BE49-F238E27FC236}">
+                <a16:creationId xmlns:a16="http://schemas.microsoft.com/office/drawing/2014/main" id="{E717B02C-767F-4743-B6E9-A589A339BDD9}"/>
+              </a:ext>
+            </a:extLst>
+          </p:cNvPr>
+          <p:cNvSpPr>
+            <a:spLocks noGrp="1"/>
+          </p:cNvSpPr>
+          <p:nvPr>
+            <p:ph idx="1"/>
+          </p:nvPr>
+        </p:nvSpPr>
+        <p:spPr/>
+        <p:txBody>
+          <a:bodyPr/>
+          <a:lstStyle/>
+          <a:p>
+            <a:r>
+              <a:rPr lang="en-IN" dirty="0"/>
+              <a:t>Our novelty algorithm includes these existing models:</a:t>
+            </a:r>
+          </a:p>
+          <a:p>
+            <a:pPr lvl="1"/>
+            <a:r>
+              <a:rPr lang="en-IN" dirty="0"/>
+              <a:t>1. Multinomial Hidden Markov Model.</a:t>
+            </a:r>
+          </a:p>
+          <a:p>
+            <a:pPr lvl="1"/>
+            <a:r>
+              <a:rPr lang="en-IN" dirty="0"/>
+              <a:t>2. Bidirectional Neural Network (LSTM).</a:t>
+            </a:r>
+          </a:p>
+          <a:p>
+            <a:pPr lvl="1"/>
+            <a:r>
+              <a:rPr lang="en-IN" dirty="0"/>
+              <a:t>3. Gaussian Mixture Model.</a:t>
+            </a:r>
+          </a:p>
+          <a:p>
+            <a:pPr lvl="1"/>
+            <a:r>
+              <a:rPr lang="en-IN" dirty="0"/>
+              <a:t>4. Bag of words method.</a:t>
+            </a:r>
+          </a:p>
+          <a:p>
+            <a:pPr lvl="1"/>
+            <a:r>
+              <a:rPr lang="en-IN" dirty="0"/>
+              <a:t>5. t-Distributed Stochastic Neighbour.</a:t>
+            </a:r>
+          </a:p>
+          <a:p>
+            <a:pPr lvl="1"/>
+            <a:r>
+              <a:rPr lang="en-IN" dirty="0"/>
+              <a:t>6. Hamming Neural Network.</a:t>
+            </a:r>
+          </a:p>
+          <a:p>
+            <a:pPr lvl="1"/>
+            <a:r>
+              <a:rPr lang="en-IN" dirty="0"/>
+              <a:t>7. Task Based Collaborative Filtering.</a:t>
+            </a:r>
+          </a:p>
+        </p:txBody>
+      </p:sp>
+    </p:spTree>
+    <p:extLst>
+      <p:ext uri="{BB962C8B-B14F-4D97-AF65-F5344CB8AC3E}">
+        <p14:creationId xmlns:p14="http://schemas.microsoft.com/office/powerpoint/2010/main" val="186186414"/>
+      </p:ext>
+    </p:extLst>
+  </p:cSld>
+  <p:clrMapOvr>
+    <a:masterClrMapping/>
+  </p:clrMapOvr>
+</p:sld>
+</file>
+
+<file path=ppt/slides/slide6.xml><?xml version="1.0" encoding="utf-8"?>
 <p:sld xmlns:a="http://schemas.openxmlformats.org/drawingml/2006/main" xmlns:r="http://schemas.openxmlformats.org/officeDocument/2006/relationships" xmlns:p="http://schemas.openxmlformats.org/presentationml/2006/main">
   <p:cSld>
     <p:spTree>
@@ -7260,7 +7400,7 @@
 </p:sld>
 </file>
 
-<file path=ppt/slides/slide6.xml><?xml version="1.0" encoding="utf-8"?>
+<file path=ppt/slides/slide7.xml><?xml version="1.0" encoding="utf-8"?>
 <p:sld xmlns:a="http://schemas.openxmlformats.org/drawingml/2006/main" xmlns:r="http://schemas.openxmlformats.org/officeDocument/2006/relationships" xmlns:p="http://schemas.openxmlformats.org/presentationml/2006/main">
   <p:cSld>
     <p:spTree>
@@ -7481,7 +7621,7 @@
 </p:sld>
 </file>
 
-<file path=ppt/slides/slide7.xml><?xml version="1.0" encoding="utf-8"?>
+<file path=ppt/slides/slide8.xml><?xml version="1.0" encoding="utf-8"?>
 <p:sld xmlns:a="http://schemas.openxmlformats.org/drawingml/2006/main" xmlns:r="http://schemas.openxmlformats.org/officeDocument/2006/relationships" xmlns:p="http://schemas.openxmlformats.org/presentationml/2006/main">
   <p:cSld>
     <p:spTree>
@@ -7727,140 +7867,6 @@
     <p:extLst>
       <p:ext uri="{BB962C8B-B14F-4D97-AF65-F5344CB8AC3E}">
         <p14:creationId xmlns:p14="http://schemas.microsoft.com/office/powerpoint/2010/main" val="3411643700"/>
-      </p:ext>
-    </p:extLst>
-  </p:cSld>
-  <p:clrMapOvr>
-    <a:masterClrMapping/>
-  </p:clrMapOvr>
-</p:sld>
-</file>
-
-<file path=ppt/slides/slide8.xml><?xml version="1.0" encoding="utf-8"?>
-<p:sld xmlns:a="http://schemas.openxmlformats.org/drawingml/2006/main" xmlns:r="http://schemas.openxmlformats.org/officeDocument/2006/relationships" xmlns:p="http://schemas.openxmlformats.org/presentationml/2006/main">
-  <p:cSld>
-    <p:spTree>
-      <p:nvGrpSpPr>
-        <p:cNvPr id="1" name=""/>
-        <p:cNvGrpSpPr/>
-        <p:nvPr/>
-      </p:nvGrpSpPr>
-      <p:grpSpPr>
-        <a:xfrm>
-          <a:off x="0" y="0"/>
-          <a:ext cx="0" cy="0"/>
-          <a:chOff x="0" y="0"/>
-          <a:chExt cx="0" cy="0"/>
-        </a:xfrm>
-      </p:grpSpPr>
-      <p:sp>
-        <p:nvSpPr>
-          <p:cNvPr id="2" name="Title 1">
-            <a:extLst>
-              <a:ext uri="{FF2B5EF4-FFF2-40B4-BE49-F238E27FC236}">
-                <a16:creationId xmlns:a16="http://schemas.microsoft.com/office/drawing/2014/main" id="{B4F2228D-1008-4D1D-BF7F-53AABBA8A471}"/>
-              </a:ext>
-            </a:extLst>
-          </p:cNvPr>
-          <p:cNvSpPr>
-            <a:spLocks noGrp="1"/>
-          </p:cNvSpPr>
-          <p:nvPr>
-            <p:ph type="title"/>
-          </p:nvPr>
-        </p:nvSpPr>
-        <p:spPr>
-          <a:xfrm>
-            <a:off x="3838045" y="510797"/>
-            <a:ext cx="4840288" cy="897910"/>
-          </a:xfrm>
-        </p:spPr>
-        <p:txBody>
-          <a:bodyPr/>
-          <a:lstStyle/>
-          <a:p>
-            <a:r>
-              <a:rPr lang="en-IN" b="1" u="sng" dirty="0"/>
-              <a:t>Progress Report</a:t>
-            </a:r>
-          </a:p>
-        </p:txBody>
-      </p:sp>
-      <p:pic>
-        <p:nvPicPr>
-          <p:cNvPr id="5" name="Content Placeholder 4">
-            <a:extLst>
-              <a:ext uri="{FF2B5EF4-FFF2-40B4-BE49-F238E27FC236}">
-                <a16:creationId xmlns:a16="http://schemas.microsoft.com/office/drawing/2014/main" id="{7D034515-5602-4F35-ACB8-C075989D67EF}"/>
-              </a:ext>
-            </a:extLst>
-          </p:cNvPr>
-          <p:cNvPicPr>
-            <a:picLocks noGrp="1" noChangeAspect="1"/>
-          </p:cNvPicPr>
-          <p:nvPr>
-            <p:ph idx="1"/>
-          </p:nvPr>
-        </p:nvPicPr>
-        <p:blipFill>
-          <a:blip r:embed="rId2">
-            <a:extLst>
-              <a:ext uri="{28A0092B-C50C-407E-A947-70E740481C1C}">
-                <a14:useLocalDpi xmlns:a14="http://schemas.microsoft.com/office/drawing/2010/main" val="0"/>
-              </a:ext>
-            </a:extLst>
-          </a:blip>
-          <a:stretch>
-            <a:fillRect/>
-          </a:stretch>
-        </p:blipFill>
-        <p:spPr>
-          <a:xfrm>
-            <a:off x="6157520" y="1408707"/>
-            <a:ext cx="5797900" cy="4996575"/>
-          </a:xfrm>
-        </p:spPr>
-      </p:pic>
-      <p:pic>
-        <p:nvPicPr>
-          <p:cNvPr id="7" name="Picture 6">
-            <a:extLst>
-              <a:ext uri="{FF2B5EF4-FFF2-40B4-BE49-F238E27FC236}">
-                <a16:creationId xmlns:a16="http://schemas.microsoft.com/office/drawing/2014/main" id="{20F7F339-9C5B-4D8A-B807-8A24E548B438}"/>
-              </a:ext>
-            </a:extLst>
-          </p:cNvPr>
-          <p:cNvPicPr>
-            <a:picLocks noChangeAspect="1"/>
-          </p:cNvPicPr>
-          <p:nvPr/>
-        </p:nvPicPr>
-        <p:blipFill>
-          <a:blip r:embed="rId3">
-            <a:extLst>
-              <a:ext uri="{28A0092B-C50C-407E-A947-70E740481C1C}">
-                <a14:useLocalDpi xmlns:a14="http://schemas.microsoft.com/office/drawing/2010/main" val="0"/>
-              </a:ext>
-            </a:extLst>
-          </a:blip>
-          <a:stretch>
-            <a:fillRect/>
-          </a:stretch>
-        </p:blipFill>
-        <p:spPr>
-          <a:xfrm>
-            <a:off x="236580" y="1408707"/>
-            <a:ext cx="5697233" cy="4996575"/>
-          </a:xfrm>
-          <a:prstGeom prst="rect">
-            <a:avLst/>
-          </a:prstGeom>
-        </p:spPr>
-      </p:pic>
-    </p:spTree>
-    <p:extLst>
-      <p:ext uri="{BB962C8B-B14F-4D97-AF65-F5344CB8AC3E}">
-        <p14:creationId xmlns:p14="http://schemas.microsoft.com/office/powerpoint/2010/main" val="2793951399"/>
       </p:ext>
     </p:extLst>
   </p:cSld>

--- a/Documentation/Second Review Presentation.pptx
+++ b/Documentation/Second Review Presentation.pptx
@@ -307,7 +307,7 @@
           <a:p>
             <a:fld id="{3C6A444D-4A42-4F9C-AE37-C2D6B96EC993}" type="datetimeFigureOut">
               <a:rPr lang="en-IN" smtClean="0"/>
-              <a:t>07-03-2020</a:t>
+              <a:t>11-03-2020</a:t>
             </a:fld>
             <a:endParaRPr lang="en-IN"/>
           </a:p>
@@ -582,7 +582,7 @@
           <a:p>
             <a:fld id="{3C6A444D-4A42-4F9C-AE37-C2D6B96EC993}" type="datetimeFigureOut">
               <a:rPr lang="en-IN" smtClean="0"/>
-              <a:t>07-03-2020</a:t>
+              <a:t>11-03-2020</a:t>
             </a:fld>
             <a:endParaRPr lang="en-IN"/>
           </a:p>
@@ -776,7 +776,7 @@
           <a:p>
             <a:fld id="{3C6A444D-4A42-4F9C-AE37-C2D6B96EC993}" type="datetimeFigureOut">
               <a:rPr lang="en-IN" smtClean="0"/>
-              <a:t>07-03-2020</a:t>
+              <a:t>11-03-2020</a:t>
             </a:fld>
             <a:endParaRPr lang="en-IN"/>
           </a:p>
@@ -1049,7 +1049,7 @@
           <a:p>
             <a:fld id="{3C6A444D-4A42-4F9C-AE37-C2D6B96EC993}" type="datetimeFigureOut">
               <a:rPr lang="en-IN" smtClean="0"/>
-              <a:t>07-03-2020</a:t>
+              <a:t>11-03-2020</a:t>
             </a:fld>
             <a:endParaRPr lang="en-IN"/>
           </a:p>
@@ -1390,7 +1390,7 @@
           <a:p>
             <a:fld id="{3C6A444D-4A42-4F9C-AE37-C2D6B96EC993}" type="datetimeFigureOut">
               <a:rPr lang="en-IN" smtClean="0"/>
-              <a:t>07-03-2020</a:t>
+              <a:t>11-03-2020</a:t>
             </a:fld>
             <a:endParaRPr lang="en-IN"/>
           </a:p>
@@ -2013,7 +2013,7 @@
           <a:p>
             <a:fld id="{3C6A444D-4A42-4F9C-AE37-C2D6B96EC993}" type="datetimeFigureOut">
               <a:rPr lang="en-IN" smtClean="0"/>
-              <a:t>07-03-2020</a:t>
+              <a:t>11-03-2020</a:t>
             </a:fld>
             <a:endParaRPr lang="en-IN"/>
           </a:p>
@@ -2873,7 +2873,7 @@
           <a:p>
             <a:fld id="{3C6A444D-4A42-4F9C-AE37-C2D6B96EC993}" type="datetimeFigureOut">
               <a:rPr lang="en-IN" smtClean="0"/>
-              <a:t>07-03-2020</a:t>
+              <a:t>11-03-2020</a:t>
             </a:fld>
             <a:endParaRPr lang="en-IN"/>
           </a:p>
@@ -3043,7 +3043,7 @@
           <a:p>
             <a:fld id="{3C6A444D-4A42-4F9C-AE37-C2D6B96EC993}" type="datetimeFigureOut">
               <a:rPr lang="en-IN" smtClean="0"/>
-              <a:t>07-03-2020</a:t>
+              <a:t>11-03-2020</a:t>
             </a:fld>
             <a:endParaRPr lang="en-IN"/>
           </a:p>
@@ -3223,7 +3223,7 @@
           <a:p>
             <a:fld id="{3C6A444D-4A42-4F9C-AE37-C2D6B96EC993}" type="datetimeFigureOut">
               <a:rPr lang="en-IN" smtClean="0"/>
-              <a:t>07-03-2020</a:t>
+              <a:t>11-03-2020</a:t>
             </a:fld>
             <a:endParaRPr lang="en-IN"/>
           </a:p>
@@ -3393,7 +3393,7 @@
           <a:p>
             <a:fld id="{3C6A444D-4A42-4F9C-AE37-C2D6B96EC993}" type="datetimeFigureOut">
               <a:rPr lang="en-IN" smtClean="0"/>
-              <a:t>07-03-2020</a:t>
+              <a:t>11-03-2020</a:t>
             </a:fld>
             <a:endParaRPr lang="en-IN"/>
           </a:p>
@@ -3640,7 +3640,7 @@
           <a:p>
             <a:fld id="{3C6A444D-4A42-4F9C-AE37-C2D6B96EC993}" type="datetimeFigureOut">
               <a:rPr lang="en-IN" smtClean="0"/>
-              <a:t>07-03-2020</a:t>
+              <a:t>11-03-2020</a:t>
             </a:fld>
             <a:endParaRPr lang="en-IN"/>
           </a:p>
@@ -3932,7 +3932,7 @@
           <a:p>
             <a:fld id="{3C6A444D-4A42-4F9C-AE37-C2D6B96EC993}" type="datetimeFigureOut">
               <a:rPr lang="en-IN" smtClean="0"/>
-              <a:t>07-03-2020</a:t>
+              <a:t>11-03-2020</a:t>
             </a:fld>
             <a:endParaRPr lang="en-IN"/>
           </a:p>
@@ -4376,7 +4376,7 @@
           <a:p>
             <a:fld id="{3C6A444D-4A42-4F9C-AE37-C2D6B96EC993}" type="datetimeFigureOut">
               <a:rPr lang="en-IN" smtClean="0"/>
-              <a:t>07-03-2020</a:t>
+              <a:t>11-03-2020</a:t>
             </a:fld>
             <a:endParaRPr lang="en-IN"/>
           </a:p>
@@ -4494,7 +4494,7 @@
           <a:p>
             <a:fld id="{3C6A444D-4A42-4F9C-AE37-C2D6B96EC993}" type="datetimeFigureOut">
               <a:rPr lang="en-IN" smtClean="0"/>
-              <a:t>07-03-2020</a:t>
+              <a:t>11-03-2020</a:t>
             </a:fld>
             <a:endParaRPr lang="en-IN"/>
           </a:p>
@@ -4589,7 +4589,7 @@
           <a:p>
             <a:fld id="{3C6A444D-4A42-4F9C-AE37-C2D6B96EC993}" type="datetimeFigureOut">
               <a:rPr lang="en-IN" smtClean="0"/>
-              <a:t>07-03-2020</a:t>
+              <a:t>11-03-2020</a:t>
             </a:fld>
             <a:endParaRPr lang="en-IN"/>
           </a:p>
@@ -4868,7 +4868,7 @@
           <a:p>
             <a:fld id="{3C6A444D-4A42-4F9C-AE37-C2D6B96EC993}" type="datetimeFigureOut">
               <a:rPr lang="en-IN" smtClean="0"/>
-              <a:t>07-03-2020</a:t>
+              <a:t>11-03-2020</a:t>
             </a:fld>
             <a:endParaRPr lang="en-IN"/>
           </a:p>
@@ -5143,7 +5143,7 @@
           <a:p>
             <a:fld id="{3C6A444D-4A42-4F9C-AE37-C2D6B96EC993}" type="datetimeFigureOut">
               <a:rPr lang="en-IN" smtClean="0"/>
-              <a:t>07-03-2020</a:t>
+              <a:t>11-03-2020</a:t>
             </a:fld>
             <a:endParaRPr lang="en-IN"/>
           </a:p>
@@ -5572,7 +5572,7 @@
           <a:p>
             <a:fld id="{3C6A444D-4A42-4F9C-AE37-C2D6B96EC993}" type="datetimeFigureOut">
               <a:rPr lang="en-IN" smtClean="0"/>
-              <a:t>07-03-2020</a:t>
+              <a:t>11-03-2020</a:t>
             </a:fld>
             <a:endParaRPr lang="en-IN"/>
           </a:p>
@@ -6131,7 +6131,7 @@
             <a:pPr algn="ctr"/>
             <a:r>
               <a:rPr lang="en-IN" sz="4000" b="1" dirty="0"/>
-              <a:t>Essay Grading Using Various NLP Neural Techniques</a:t>
+              <a:t>A Novel Algorithm for Automatic Essay Grading Using NLP Techniques </a:t>
             </a:r>
           </a:p>
         </p:txBody>
